--- a/JS/03. Array, Set and methods/JS_03.pptx
+++ b/JS/03. Array, Set and methods/JS_03.pptx
@@ -7,11 +7,12 @@
   <p:sldIdLst>
     <p:sldId id="256" r:id="rId2"/>
     <p:sldId id="258" r:id="rId3"/>
-    <p:sldId id="259" r:id="rId4"/>
-    <p:sldId id="260" r:id="rId5"/>
-    <p:sldId id="261" r:id="rId6"/>
-    <p:sldId id="262" r:id="rId7"/>
-    <p:sldId id="263" r:id="rId8"/>
+    <p:sldId id="264" r:id="rId4"/>
+    <p:sldId id="259" r:id="rId5"/>
+    <p:sldId id="260" r:id="rId6"/>
+    <p:sldId id="261" r:id="rId7"/>
+    <p:sldId id="262" r:id="rId8"/>
+    <p:sldId id="263" r:id="rId9"/>
   </p:sldIdLst>
   <p:sldSz cx="12192000" cy="6858000"/>
   <p:notesSz cx="6858000" cy="9144000"/>
@@ -5907,8 +5908,25 @@
                   </a:schemeClr>
                 </a:solidFill>
               </a:rPr>
-              <a:t>.map() .filter() .reduce()</a:t>
-            </a:r>
+              <a:t>pop, push, shift</a:t>
+            </a:r>
+            <a:r>
+              <a:rPr lang="en-US" b="1">
+                <a:solidFill>
+                  <a:schemeClr val="accent4">
+                    <a:lumMod val="75000"/>
+                  </a:schemeClr>
+                </a:solidFill>
+              </a:rPr>
+              <a:t>, unshift</a:t>
+            </a:r>
+            <a:endParaRPr lang="en-US" b="1" dirty="0">
+              <a:solidFill>
+                <a:schemeClr val="accent4">
+                  <a:lumMod val="75000"/>
+                </a:schemeClr>
+              </a:solidFill>
+            </a:endParaRPr>
           </a:p>
         </p:txBody>
       </p:sp>
@@ -5941,8 +5959,8 @@
         </p:blipFill>
         <p:spPr>
           <a:xfrm>
-            <a:off x="239422" y="870012"/>
-            <a:ext cx="11713157" cy="5761606"/>
+            <a:off x="243056" y="870012"/>
+            <a:ext cx="11713155" cy="5761606"/>
           </a:xfrm>
         </p:spPr>
       </p:pic>
@@ -6012,6 +6030,111 @@
                   </a:schemeClr>
                 </a:solidFill>
               </a:rPr>
+              <a:t>.map() .filter() .reduce()</a:t>
+            </a:r>
+          </a:p>
+        </p:txBody>
+      </p:sp>
+      <p:pic>
+        <p:nvPicPr>
+          <p:cNvPr id="7" name="Объект 6">
+            <a:extLst>
+              <a:ext uri="{FF2B5EF4-FFF2-40B4-BE49-F238E27FC236}">
+                <a16:creationId xmlns:a16="http://schemas.microsoft.com/office/drawing/2014/main" id="{9E1E6642-7ADC-45D3-ADC8-09EB9A2C2087}"/>
+              </a:ext>
+            </a:extLst>
+          </p:cNvPr>
+          <p:cNvPicPr>
+            <a:picLocks noGrp="1" noChangeAspect="1"/>
+          </p:cNvPicPr>
+          <p:nvPr>
+            <p:ph idx="1"/>
+          </p:nvPr>
+        </p:nvPicPr>
+        <p:blipFill>
+          <a:blip r:embed="rId2">
+            <a:extLst>
+              <a:ext uri="{28A0092B-C50C-407E-A947-70E740481C1C}">
+                <a14:useLocalDpi xmlns:a14="http://schemas.microsoft.com/office/drawing/2010/main" val="0"/>
+              </a:ext>
+            </a:extLst>
+          </a:blip>
+          <a:srcRect/>
+          <a:stretch/>
+        </p:blipFill>
+        <p:spPr>
+          <a:xfrm>
+            <a:off x="239422" y="870012"/>
+            <a:ext cx="11713157" cy="5761606"/>
+          </a:xfrm>
+        </p:spPr>
+      </p:pic>
+    </p:spTree>
+    <p:extLst>
+      <p:ext uri="{BB962C8B-B14F-4D97-AF65-F5344CB8AC3E}">
+        <p14:creationId xmlns:p14="http://schemas.microsoft.com/office/powerpoint/2010/main" val="3854122267"/>
+      </p:ext>
+    </p:extLst>
+  </p:cSld>
+  <p:clrMapOvr>
+    <a:masterClrMapping/>
+  </p:clrMapOvr>
+</p:sld>
+</file>
+
+<file path=ppt/slides/slide4.xml><?xml version="1.0" encoding="utf-8"?>
+<p:sld xmlns:a="http://schemas.openxmlformats.org/drawingml/2006/main" xmlns:r="http://schemas.openxmlformats.org/officeDocument/2006/relationships" xmlns:p="http://schemas.openxmlformats.org/presentationml/2006/main">
+  <p:cSld>
+    <p:spTree>
+      <p:nvGrpSpPr>
+        <p:cNvPr id="1" name=""/>
+        <p:cNvGrpSpPr/>
+        <p:nvPr/>
+      </p:nvGrpSpPr>
+      <p:grpSpPr>
+        <a:xfrm>
+          <a:off x="0" y="0"/>
+          <a:ext cx="0" cy="0"/>
+          <a:chOff x="0" y="0"/>
+          <a:chExt cx="0" cy="0"/>
+        </a:xfrm>
+      </p:grpSpPr>
+      <p:sp>
+        <p:nvSpPr>
+          <p:cNvPr id="2" name="Заголовок 1">
+            <a:extLst>
+              <a:ext uri="{FF2B5EF4-FFF2-40B4-BE49-F238E27FC236}">
+                <a16:creationId xmlns:a16="http://schemas.microsoft.com/office/drawing/2014/main" id="{7D7173E1-5FA3-4794-8B1E-BBDED365BA35}"/>
+              </a:ext>
+            </a:extLst>
+          </p:cNvPr>
+          <p:cNvSpPr>
+            <a:spLocks noGrp="1"/>
+          </p:cNvSpPr>
+          <p:nvPr>
+            <p:ph type="title"/>
+          </p:nvPr>
+        </p:nvSpPr>
+        <p:spPr>
+          <a:xfrm>
+            <a:off x="243055" y="296780"/>
+            <a:ext cx="10649534" cy="573232"/>
+          </a:xfrm>
+        </p:spPr>
+        <p:txBody>
+          <a:bodyPr>
+            <a:normAutofit fontScale="90000"/>
+          </a:bodyPr>
+          <a:lstStyle/>
+          <a:p>
+            <a:r>
+              <a:rPr lang="en-US" b="1" dirty="0">
+                <a:solidFill>
+                  <a:schemeClr val="accent4">
+                    <a:lumMod val="75000"/>
+                  </a:schemeClr>
+                </a:solidFill>
+              </a:rPr>
               <a:t>.foreach(), .find(), .</a:t>
             </a:r>
             <a:r>
@@ -6104,7 +6227,7 @@
 </p:sld>
 </file>
 
-<file path=ppt/slides/slide4.xml><?xml version="1.0" encoding="utf-8"?>
+<file path=ppt/slides/slide5.xml><?xml version="1.0" encoding="utf-8"?>
 <p:sld xmlns:a="http://schemas.openxmlformats.org/drawingml/2006/main" xmlns:r="http://schemas.openxmlformats.org/officeDocument/2006/relationships" xmlns:p="http://schemas.openxmlformats.org/presentationml/2006/main">
   <p:cSld>
     <p:spTree>
@@ -6209,7 +6332,7 @@
 </p:sld>
 </file>
 
-<file path=ppt/slides/slide5.xml><?xml version="1.0" encoding="utf-8"?>
+<file path=ppt/slides/slide6.xml><?xml version="1.0" encoding="utf-8"?>
 <p:sld xmlns:a="http://schemas.openxmlformats.org/drawingml/2006/main" xmlns:r="http://schemas.openxmlformats.org/officeDocument/2006/relationships" xmlns:p="http://schemas.openxmlformats.org/presentationml/2006/main">
   <p:cSld>
     <p:spTree>
@@ -6334,7 +6457,7 @@
 </p:sld>
 </file>
 
-<file path=ppt/slides/slide6.xml><?xml version="1.0" encoding="utf-8"?>
+<file path=ppt/slides/slide7.xml><?xml version="1.0" encoding="utf-8"?>
 <p:sld xmlns:a="http://schemas.openxmlformats.org/drawingml/2006/main" xmlns:r="http://schemas.openxmlformats.org/officeDocument/2006/relationships" xmlns:p="http://schemas.openxmlformats.org/presentationml/2006/main">
   <p:cSld>
     <p:spTree>
@@ -6439,7 +6562,7 @@
 </p:sld>
 </file>
 
-<file path=ppt/slides/slide7.xml><?xml version="1.0" encoding="utf-8"?>
+<file path=ppt/slides/slide8.xml><?xml version="1.0" encoding="utf-8"?>
 <p:sld xmlns:a="http://schemas.openxmlformats.org/drawingml/2006/main" xmlns:r="http://schemas.openxmlformats.org/officeDocument/2006/relationships" xmlns:p="http://schemas.openxmlformats.org/presentationml/2006/main">
   <p:cSld>
     <p:spTree>
